--- a/presentations/Review_2.pptx
+++ b/presentations/Review_2.pptx
@@ -10,9 +10,10 @@
     <p:sldId id="257" r:id="rId4"/>
     <p:sldId id="258" r:id="rId5"/>
     <p:sldId id="259" r:id="rId6"/>
-    <p:sldId id="262" r:id="rId7"/>
-    <p:sldId id="261" r:id="rId8"/>
-    <p:sldId id="263" r:id="rId9"/>
+    <p:sldId id="265" r:id="rId7"/>
+    <p:sldId id="262" r:id="rId8"/>
+    <p:sldId id="261" r:id="rId9"/>
+    <p:sldId id="263" r:id="rId10"/>
   </p:sldIdLst>
   <p:sldSz cx="12192000" cy="6858000"/>
   <p:notesSz cx="6858000" cy="9144000"/>
@@ -268,7 +269,7 @@
           <a:p>
             <a:fld id="{8BD5439A-E17B-47B5-AFA4-A1C5AAFD48C1}" type="datetimeFigureOut">
               <a:rPr lang="en-IN" smtClean="0"/>
-              <a:t>11-09-2022</a:t>
+              <a:t>28-09-2022</a:t>
             </a:fld>
             <a:endParaRPr lang="en-IN"/>
           </a:p>
@@ -468,7 +469,7 @@
           <a:p>
             <a:fld id="{8BD5439A-E17B-47B5-AFA4-A1C5AAFD48C1}" type="datetimeFigureOut">
               <a:rPr lang="en-IN" smtClean="0"/>
-              <a:t>11-09-2022</a:t>
+              <a:t>28-09-2022</a:t>
             </a:fld>
             <a:endParaRPr lang="en-IN"/>
           </a:p>
@@ -678,7 +679,7 @@
           <a:p>
             <a:fld id="{8BD5439A-E17B-47B5-AFA4-A1C5AAFD48C1}" type="datetimeFigureOut">
               <a:rPr lang="en-IN" smtClean="0"/>
-              <a:t>11-09-2022</a:t>
+              <a:t>28-09-2022</a:t>
             </a:fld>
             <a:endParaRPr lang="en-IN"/>
           </a:p>
@@ -878,7 +879,7 @@
           <a:p>
             <a:fld id="{8BD5439A-E17B-47B5-AFA4-A1C5AAFD48C1}" type="datetimeFigureOut">
               <a:rPr lang="en-IN" smtClean="0"/>
-              <a:t>11-09-2022</a:t>
+              <a:t>28-09-2022</a:t>
             </a:fld>
             <a:endParaRPr lang="en-IN"/>
           </a:p>
@@ -1154,7 +1155,7 @@
           <a:p>
             <a:fld id="{8BD5439A-E17B-47B5-AFA4-A1C5AAFD48C1}" type="datetimeFigureOut">
               <a:rPr lang="en-IN" smtClean="0"/>
-              <a:t>11-09-2022</a:t>
+              <a:t>28-09-2022</a:t>
             </a:fld>
             <a:endParaRPr lang="en-IN"/>
           </a:p>
@@ -1422,7 +1423,7 @@
           <a:p>
             <a:fld id="{8BD5439A-E17B-47B5-AFA4-A1C5AAFD48C1}" type="datetimeFigureOut">
               <a:rPr lang="en-IN" smtClean="0"/>
-              <a:t>11-09-2022</a:t>
+              <a:t>28-09-2022</a:t>
             </a:fld>
             <a:endParaRPr lang="en-IN"/>
           </a:p>
@@ -1837,7 +1838,7 @@
           <a:p>
             <a:fld id="{8BD5439A-E17B-47B5-AFA4-A1C5AAFD48C1}" type="datetimeFigureOut">
               <a:rPr lang="en-IN" smtClean="0"/>
-              <a:t>11-09-2022</a:t>
+              <a:t>28-09-2022</a:t>
             </a:fld>
             <a:endParaRPr lang="en-IN"/>
           </a:p>
@@ -1979,7 +1980,7 @@
           <a:p>
             <a:fld id="{8BD5439A-E17B-47B5-AFA4-A1C5AAFD48C1}" type="datetimeFigureOut">
               <a:rPr lang="en-IN" smtClean="0"/>
-              <a:t>11-09-2022</a:t>
+              <a:t>28-09-2022</a:t>
             </a:fld>
             <a:endParaRPr lang="en-IN"/>
           </a:p>
@@ -2092,7 +2093,7 @@
           <a:p>
             <a:fld id="{8BD5439A-E17B-47B5-AFA4-A1C5AAFD48C1}" type="datetimeFigureOut">
               <a:rPr lang="en-IN" smtClean="0"/>
-              <a:t>11-09-2022</a:t>
+              <a:t>28-09-2022</a:t>
             </a:fld>
             <a:endParaRPr lang="en-IN"/>
           </a:p>
@@ -2405,7 +2406,7 @@
           <a:p>
             <a:fld id="{8BD5439A-E17B-47B5-AFA4-A1C5AAFD48C1}" type="datetimeFigureOut">
               <a:rPr lang="en-IN" smtClean="0"/>
-              <a:t>11-09-2022</a:t>
+              <a:t>28-09-2022</a:t>
             </a:fld>
             <a:endParaRPr lang="en-IN"/>
           </a:p>
@@ -2694,7 +2695,7 @@
           <a:p>
             <a:fld id="{8BD5439A-E17B-47B5-AFA4-A1C5AAFD48C1}" type="datetimeFigureOut">
               <a:rPr lang="en-IN" smtClean="0"/>
-              <a:t>11-09-2022</a:t>
+              <a:t>28-09-2022</a:t>
             </a:fld>
             <a:endParaRPr lang="en-IN"/>
           </a:p>
@@ -2937,7 +2938,7 @@
           <a:p>
             <a:fld id="{8BD5439A-E17B-47B5-AFA4-A1C5AAFD48C1}" type="datetimeFigureOut">
               <a:rPr lang="en-IN" smtClean="0"/>
-              <a:t>11-09-2022</a:t>
+              <a:t>28-09-2022</a:t>
             </a:fld>
             <a:endParaRPr lang="en-IN"/>
           </a:p>
@@ -3920,6 +3921,93 @@
           <p:cNvPr id="2" name="Title 1">
             <a:extLst>
               <a:ext uri="{FF2B5EF4-FFF2-40B4-BE49-F238E27FC236}">
+                <a16:creationId xmlns:a16="http://schemas.microsoft.com/office/drawing/2014/main" id="{9ED18D6A-CE5F-8494-1BB6-4B7EFCC23AB3}"/>
+              </a:ext>
+            </a:extLst>
+          </p:cNvPr>
+          <p:cNvSpPr>
+            <a:spLocks noGrp="1"/>
+          </p:cNvSpPr>
+          <p:nvPr>
+            <p:ph type="title"/>
+          </p:nvPr>
+        </p:nvSpPr>
+        <p:spPr/>
+        <p:txBody>
+          <a:bodyPr/>
+          <a:lstStyle/>
+          <a:p>
+            <a:r>
+              <a:rPr lang="en-IN" dirty="0"/>
+              <a:t>Work progress </a:t>
+            </a:r>
+          </a:p>
+        </p:txBody>
+      </p:sp>
+      <p:pic>
+        <p:nvPicPr>
+          <p:cNvPr id="7" name="Content Placeholder 6">
+            <a:extLst>
+              <a:ext uri="{FF2B5EF4-FFF2-40B4-BE49-F238E27FC236}">
+                <a16:creationId xmlns:a16="http://schemas.microsoft.com/office/drawing/2014/main" id="{5F47008F-528F-3532-2D33-3214C1EF3648}"/>
+              </a:ext>
+            </a:extLst>
+          </p:cNvPr>
+          <p:cNvPicPr>
+            <a:picLocks noGrp="1" noChangeAspect="1"/>
+          </p:cNvPicPr>
+          <p:nvPr>
+            <p:ph idx="1"/>
+          </p:nvPr>
+        </p:nvPicPr>
+        <p:blipFill>
+          <a:blip r:embed="rId2"/>
+          <a:stretch>
+            <a:fillRect/>
+          </a:stretch>
+        </p:blipFill>
+        <p:spPr>
+          <a:xfrm>
+            <a:off x="2228144" y="1825625"/>
+            <a:ext cx="7735712" cy="4351338"/>
+          </a:xfrm>
+        </p:spPr>
+      </p:pic>
+    </p:spTree>
+    <p:extLst>
+      <p:ext uri="{BB962C8B-B14F-4D97-AF65-F5344CB8AC3E}">
+        <p14:creationId xmlns:p14="http://schemas.microsoft.com/office/powerpoint/2010/main" val="3685957204"/>
+      </p:ext>
+    </p:extLst>
+  </p:cSld>
+  <p:clrMapOvr>
+    <a:masterClrMapping/>
+  </p:clrMapOvr>
+</p:sld>
+</file>
+
+<file path=ppt/slides/slide7.xml><?xml version="1.0" encoding="utf-8"?>
+<p:sld xmlns:a="http://schemas.openxmlformats.org/drawingml/2006/main" xmlns:r="http://schemas.openxmlformats.org/officeDocument/2006/relationships" xmlns:p="http://schemas.openxmlformats.org/presentationml/2006/main">
+  <p:cSld>
+    <p:spTree>
+      <p:nvGrpSpPr>
+        <p:cNvPr id="1" name=""/>
+        <p:cNvGrpSpPr/>
+        <p:nvPr/>
+      </p:nvGrpSpPr>
+      <p:grpSpPr>
+        <a:xfrm>
+          <a:off x="0" y="0"/>
+          <a:ext cx="0" cy="0"/>
+          <a:chOff x="0" y="0"/>
+          <a:chExt cx="0" cy="0"/>
+        </a:xfrm>
+      </p:grpSpPr>
+      <p:sp>
+        <p:nvSpPr>
+          <p:cNvPr id="2" name="Title 1">
+            <a:extLst>
+              <a:ext uri="{FF2B5EF4-FFF2-40B4-BE49-F238E27FC236}">
                 <a16:creationId xmlns:a16="http://schemas.microsoft.com/office/drawing/2014/main" id="{A2797C7D-823D-522B-CA76-AA431CFF6627}"/>
               </a:ext>
             </a:extLst>
@@ -3984,7 +4072,7 @@
 </p:sld>
 </file>
 
-<file path=ppt/slides/slide7.xml><?xml version="1.0" encoding="utf-8"?>
+<file path=ppt/slides/slide8.xml><?xml version="1.0" encoding="utf-8"?>
 <p:sld xmlns:a="http://schemas.openxmlformats.org/drawingml/2006/main" xmlns:r="http://schemas.openxmlformats.org/officeDocument/2006/relationships" xmlns:p="http://schemas.openxmlformats.org/presentationml/2006/main">
   <p:cSld>
     <p:bg>
@@ -4272,7 +4360,7 @@
 </p:sld>
 </file>
 
-<file path=ppt/slides/slide8.xml><?xml version="1.0" encoding="utf-8"?>
+<file path=ppt/slides/slide9.xml><?xml version="1.0" encoding="utf-8"?>
 <p:sld xmlns:a="http://schemas.openxmlformats.org/drawingml/2006/main" xmlns:r="http://schemas.openxmlformats.org/officeDocument/2006/relationships" xmlns:p="http://schemas.openxmlformats.org/presentationml/2006/main">
   <p:cSld>
     <p:spTree>
